--- a/docs/diagrams/UiManagerClassDiagram.pptx
+++ b/docs/diagrams/UiManagerClassDiagram.pptx
@@ -4063,50 +4063,6 @@
       </p:sp>
       <p:cxnSp>
         <p:nvCxnSpPr>
-          <p:cNvPr id="68" name="Straight Arrow Connector 67">
-            <a:extLst>
-              <a:ext uri="{FF2B5EF4-FFF2-40B4-BE49-F238E27FC236}">
-                <a16:creationId xmlns:a16="http://schemas.microsoft.com/office/drawing/2014/main" id="{7BEAF8D6-8E8C-47DE-9B28-B00E4216476B}"/>
-              </a:ext>
-            </a:extLst>
-          </p:cNvPr>
-          <p:cNvCxnSpPr>
-            <a:cxnSpLocks/>
-            <a:stCxn id="6" idx="3"/>
-            <a:endCxn id="182" idx="1"/>
-          </p:cNvCxnSpPr>
-          <p:nvPr/>
-        </p:nvCxnSpPr>
-        <p:spPr>
-          <a:xfrm>
-            <a:off x="5127923" y="1755733"/>
-            <a:ext cx="2078364" cy="38628"/>
-          </a:xfrm>
-          <a:prstGeom prst="straightConnector1">
-            <a:avLst/>
-          </a:prstGeom>
-          <a:ln w="12700">
-            <a:prstDash val="dash"/>
-            <a:tailEnd type="arrow" w="lg" len="lg"/>
-          </a:ln>
-        </p:spPr>
-        <p:style>
-          <a:lnRef idx="1">
-            <a:schemeClr val="dk1"/>
-          </a:lnRef>
-          <a:fillRef idx="0">
-            <a:schemeClr val="dk1"/>
-          </a:fillRef>
-          <a:effectRef idx="0">
-            <a:schemeClr val="dk1"/>
-          </a:effectRef>
-          <a:fontRef idx="minor">
-            <a:schemeClr val="tx1"/>
-          </a:fontRef>
-        </p:style>
-      </p:cxnSp>
-      <p:cxnSp>
-        <p:nvCxnSpPr>
           <p:cNvPr id="110" name="Connector: Elbow 109">
             <a:extLst>
               <a:ext uri="{FF2B5EF4-FFF2-40B4-BE49-F238E27FC236}">
@@ -4234,8 +4190,8 @@
         </p:nvSpPr>
         <p:spPr>
           <a:xfrm>
-            <a:off x="7206287" y="1438831"/>
-            <a:ext cx="1174587" cy="711059"/>
+            <a:off x="6661867" y="1556967"/>
+            <a:ext cx="1174587" cy="417661"/>
           </a:xfrm>
           <a:prstGeom prst="roundRect">
             <a:avLst>
@@ -4276,7 +4232,7 @@
                   <a:schemeClr val="tx1"/>
                 </a:solidFill>
               </a:rPr>
-              <a:t>SDL/ OpenGL</a:t>
+              <a:t>SDL</a:t>
             </a:r>
             <a:endParaRPr lang="en-SG" dirty="0">
               <a:solidFill>
@@ -4286,48 +4242,6 @@
           </a:p>
         </p:txBody>
       </p:sp>
-      <p:cxnSp>
-        <p:nvCxnSpPr>
-          <p:cNvPr id="32" name="Straight Arrow Connector 31">
-            <a:extLst>
-              <a:ext uri="{FF2B5EF4-FFF2-40B4-BE49-F238E27FC236}">
-                <a16:creationId xmlns:a16="http://schemas.microsoft.com/office/drawing/2014/main" id="{5E0D9BB4-7F1E-4DB0-9860-D81015B05FEB}"/>
-              </a:ext>
-            </a:extLst>
-          </p:cNvPr>
-          <p:cNvCxnSpPr>
-            <a:cxnSpLocks/>
-          </p:cNvCxnSpPr>
-          <p:nvPr/>
-        </p:nvCxnSpPr>
-        <p:spPr>
-          <a:xfrm flipH="1">
-            <a:off x="5101622" y="1663699"/>
-            <a:ext cx="2104665" cy="0"/>
-          </a:xfrm>
-          <a:prstGeom prst="straightConnector1">
-            <a:avLst/>
-          </a:prstGeom>
-          <a:ln w="12700">
-            <a:prstDash val="dash"/>
-            <a:tailEnd type="arrow" w="lg" len="lg"/>
-          </a:ln>
-        </p:spPr>
-        <p:style>
-          <a:lnRef idx="1">
-            <a:schemeClr val="dk1"/>
-          </a:lnRef>
-          <a:fillRef idx="0">
-            <a:schemeClr val="dk1"/>
-          </a:fillRef>
-          <a:effectRef idx="0">
-            <a:schemeClr val="dk1"/>
-          </a:effectRef>
-          <a:fontRef idx="minor">
-            <a:schemeClr val="tx1"/>
-          </a:fontRef>
-        </p:style>
-      </p:cxnSp>
       <p:sp>
         <p:nvSpPr>
           <p:cNvPr id="37" name="Rectangle: Rounded Corners 36">
@@ -4531,7 +4445,7 @@
         </p:nvSpPr>
         <p:spPr>
           <a:xfrm>
-            <a:off x="5203682" y="1803206"/>
+            <a:off x="10220452" y="3244334"/>
             <a:ext cx="1513927" cy="369332"/>
           </a:xfrm>
           <a:prstGeom prst="rect">
@@ -4547,7 +4461,7 @@
           <a:p>
             <a:r>
               <a:rPr lang="en-US" dirty="0"/>
-              <a:t>Give outputs</a:t>
+              <a:t>Draw calls</a:t>
             </a:r>
             <a:endParaRPr lang="en-SG" dirty="0"/>
           </a:p>
@@ -4603,8 +4517,8 @@
         </p:nvSpPr>
         <p:spPr>
           <a:xfrm>
-            <a:off x="1770465" y="1812051"/>
-            <a:ext cx="1513927" cy="646331"/>
+            <a:off x="2079933" y="1812051"/>
+            <a:ext cx="1204459" cy="646331"/>
           </a:xfrm>
           <a:prstGeom prst="rect">
             <a:avLst/>
@@ -4619,7 +4533,7 @@
           <a:p>
             <a:r>
               <a:rPr lang="en-US" dirty="0"/>
-              <a:t>Accept output function calls</a:t>
+              <a:t>Accept draw calls</a:t>
             </a:r>
             <a:endParaRPr lang="en-SG" dirty="0"/>
           </a:p>
@@ -6213,7 +6127,7 @@
         </p:nvSpPr>
         <p:spPr>
           <a:xfrm rot="16200000">
-            <a:off x="6718272" y="5976719"/>
+            <a:off x="6673409" y="5975808"/>
             <a:ext cx="324903" cy="402788"/>
           </a:xfrm>
           <a:prstGeom prst="diamond">
@@ -6266,8 +6180,8 @@
         </p:nvCxnSpPr>
         <p:spPr>
           <a:xfrm>
-            <a:off x="7082118" y="6178113"/>
-            <a:ext cx="293982" cy="831193"/>
+            <a:off x="7037255" y="6177202"/>
+            <a:ext cx="338845" cy="832104"/>
           </a:xfrm>
           <a:prstGeom prst="bentConnector3">
             <a:avLst>
@@ -7144,6 +7058,382 @@
           </a:p>
         </p:txBody>
       </p:sp>
+      <p:sp>
+        <p:nvSpPr>
+          <p:cNvPr id="71" name="Rectangle: Rounded Corners 70">
+            <a:extLst>
+              <a:ext uri="{FF2B5EF4-FFF2-40B4-BE49-F238E27FC236}">
+                <a16:creationId xmlns:a16="http://schemas.microsoft.com/office/drawing/2014/main" id="{19E83237-830C-4729-8FD0-1521D5E2D4B1}"/>
+              </a:ext>
+            </a:extLst>
+          </p:cNvPr>
+          <p:cNvSpPr/>
+          <p:nvPr/>
+        </p:nvSpPr>
+        <p:spPr>
+          <a:xfrm>
+            <a:off x="9633159" y="2701689"/>
+            <a:ext cx="1174587" cy="417660"/>
+          </a:xfrm>
+          <a:prstGeom prst="roundRect">
+            <a:avLst>
+              <a:gd name="adj" fmla="val 5708"/>
+            </a:avLst>
+          </a:prstGeom>
+          <a:solidFill>
+            <a:schemeClr val="bg1">
+              <a:lumMod val="95000"/>
+            </a:schemeClr>
+          </a:solidFill>
+          <a:ln>
+            <a:prstDash val="dash"/>
+          </a:ln>
+        </p:spPr>
+        <p:style>
+          <a:lnRef idx="2">
+            <a:schemeClr val="dk1"/>
+          </a:lnRef>
+          <a:fillRef idx="1">
+            <a:schemeClr val="lt1"/>
+          </a:fillRef>
+          <a:effectRef idx="0">
+            <a:schemeClr val="dk1"/>
+          </a:effectRef>
+          <a:fontRef idx="minor">
+            <a:schemeClr val="dk1"/>
+          </a:fontRef>
+        </p:style>
+        <p:txBody>
+          <a:bodyPr rtlCol="0" anchor="t" anchorCtr="0"/>
+          <a:lstStyle/>
+          <a:p>
+            <a:pPr algn="ctr"/>
+            <a:r>
+              <a:rPr lang="en-US" dirty="0">
+                <a:solidFill>
+                  <a:schemeClr val="tx1"/>
+                </a:solidFill>
+              </a:rPr>
+              <a:t>OpenGL</a:t>
+            </a:r>
+            <a:endParaRPr lang="en-SG" dirty="0">
+              <a:solidFill>
+                <a:schemeClr val="tx1"/>
+              </a:solidFill>
+            </a:endParaRPr>
+          </a:p>
+        </p:txBody>
+      </p:sp>
+      <p:cxnSp>
+        <p:nvCxnSpPr>
+          <p:cNvPr id="77" name="Connector: Elbow 76">
+            <a:extLst>
+              <a:ext uri="{FF2B5EF4-FFF2-40B4-BE49-F238E27FC236}">
+                <a16:creationId xmlns:a16="http://schemas.microsoft.com/office/drawing/2014/main" id="{5602E95E-9202-4320-9168-A046B85CD70A}"/>
+              </a:ext>
+            </a:extLst>
+          </p:cNvPr>
+          <p:cNvCxnSpPr>
+            <a:cxnSpLocks/>
+            <a:stCxn id="22" idx="3"/>
+            <a:endCxn id="71" idx="1"/>
+          </p:cNvCxnSpPr>
+          <p:nvPr/>
+        </p:nvCxnSpPr>
+        <p:spPr>
+          <a:xfrm flipV="1">
+            <a:off x="6634465" y="2910519"/>
+            <a:ext cx="2998694" cy="2260869"/>
+          </a:xfrm>
+          <a:prstGeom prst="bentConnector3">
+            <a:avLst>
+              <a:gd name="adj1" fmla="val 33292"/>
+            </a:avLst>
+          </a:prstGeom>
+          <a:ln w="12700">
+            <a:prstDash val="dash"/>
+            <a:tailEnd type="arrow" w="lg" len="lg"/>
+          </a:ln>
+        </p:spPr>
+        <p:style>
+          <a:lnRef idx="1">
+            <a:schemeClr val="dk1"/>
+          </a:lnRef>
+          <a:fillRef idx="0">
+            <a:schemeClr val="dk1"/>
+          </a:fillRef>
+          <a:effectRef idx="0">
+            <a:schemeClr val="dk1"/>
+          </a:effectRef>
+          <a:fontRef idx="minor">
+            <a:schemeClr val="tx1"/>
+          </a:fontRef>
+        </p:style>
+      </p:cxnSp>
+      <p:cxnSp>
+        <p:nvCxnSpPr>
+          <p:cNvPr id="79" name="Connector: Elbow 78">
+            <a:extLst>
+              <a:ext uri="{FF2B5EF4-FFF2-40B4-BE49-F238E27FC236}">
+                <a16:creationId xmlns:a16="http://schemas.microsoft.com/office/drawing/2014/main" id="{50288448-F2EF-4DA7-AC86-81FE4EC02C23}"/>
+              </a:ext>
+            </a:extLst>
+          </p:cNvPr>
+          <p:cNvCxnSpPr>
+            <a:cxnSpLocks/>
+            <a:stCxn id="39" idx="0"/>
+            <a:endCxn id="71" idx="2"/>
+          </p:cNvCxnSpPr>
+          <p:nvPr/>
+        </p:nvCxnSpPr>
+        <p:spPr>
+          <a:xfrm rot="5400000" flipH="1" flipV="1">
+            <a:off x="7955637" y="3195655"/>
+            <a:ext cx="2341121" cy="2188511"/>
+          </a:xfrm>
+          <a:prstGeom prst="bentConnector3">
+            <a:avLst>
+              <a:gd name="adj1" fmla="val 50000"/>
+            </a:avLst>
+          </a:prstGeom>
+          <a:ln w="12700">
+            <a:prstDash val="dash"/>
+            <a:tailEnd type="arrow" w="lg" len="lg"/>
+          </a:ln>
+        </p:spPr>
+        <p:style>
+          <a:lnRef idx="1">
+            <a:schemeClr val="dk1"/>
+          </a:lnRef>
+          <a:fillRef idx="0">
+            <a:schemeClr val="dk1"/>
+          </a:fillRef>
+          <a:effectRef idx="0">
+            <a:schemeClr val="dk1"/>
+          </a:effectRef>
+          <a:fontRef idx="minor">
+            <a:schemeClr val="tx1"/>
+          </a:fontRef>
+        </p:style>
+      </p:cxnSp>
+      <p:cxnSp>
+        <p:nvCxnSpPr>
+          <p:cNvPr id="84" name="Connector: Elbow 83">
+            <a:extLst>
+              <a:ext uri="{FF2B5EF4-FFF2-40B4-BE49-F238E27FC236}">
+                <a16:creationId xmlns:a16="http://schemas.microsoft.com/office/drawing/2014/main" id="{7749DE0E-8722-462A-941C-9629EA17D484}"/>
+              </a:ext>
+            </a:extLst>
+          </p:cNvPr>
+          <p:cNvCxnSpPr>
+            <a:cxnSpLocks/>
+            <a:stCxn id="45" idx="0"/>
+            <a:endCxn id="71" idx="2"/>
+          </p:cNvCxnSpPr>
+          <p:nvPr/>
+        </p:nvCxnSpPr>
+        <p:spPr>
+          <a:xfrm rot="16200000" flipV="1">
+            <a:off x="9553472" y="3786330"/>
+            <a:ext cx="1460236" cy="126274"/>
+          </a:xfrm>
+          <a:prstGeom prst="bentConnector3">
+            <a:avLst>
+              <a:gd name="adj1" fmla="val 20835"/>
+            </a:avLst>
+          </a:prstGeom>
+          <a:ln w="12700">
+            <a:prstDash val="dash"/>
+            <a:tailEnd type="arrow" w="lg" len="lg"/>
+          </a:ln>
+        </p:spPr>
+        <p:style>
+          <a:lnRef idx="1">
+            <a:schemeClr val="dk1"/>
+          </a:lnRef>
+          <a:fillRef idx="0">
+            <a:schemeClr val="dk1"/>
+          </a:fillRef>
+          <a:effectRef idx="0">
+            <a:schemeClr val="dk1"/>
+          </a:effectRef>
+          <a:fontRef idx="minor">
+            <a:schemeClr val="tx1"/>
+          </a:fontRef>
+        </p:style>
+      </p:cxnSp>
+      <p:cxnSp>
+        <p:nvCxnSpPr>
+          <p:cNvPr id="86" name="Connector: Elbow 85">
+            <a:extLst>
+              <a:ext uri="{FF2B5EF4-FFF2-40B4-BE49-F238E27FC236}">
+                <a16:creationId xmlns:a16="http://schemas.microsoft.com/office/drawing/2014/main" id="{48AC3DF3-E352-4050-BB21-785A516D12F0}"/>
+              </a:ext>
+            </a:extLst>
+          </p:cNvPr>
+          <p:cNvCxnSpPr>
+            <a:cxnSpLocks/>
+            <a:stCxn id="98" idx="0"/>
+            <a:endCxn id="71" idx="2"/>
+          </p:cNvCxnSpPr>
+          <p:nvPr/>
+        </p:nvCxnSpPr>
+        <p:spPr>
+          <a:xfrm rot="16200000" flipV="1">
+            <a:off x="10424146" y="2915657"/>
+            <a:ext cx="2003579" cy="2410964"/>
+          </a:xfrm>
+          <a:prstGeom prst="bentConnector3">
+            <a:avLst>
+              <a:gd name="adj1" fmla="val 43123"/>
+            </a:avLst>
+          </a:prstGeom>
+          <a:ln w="12700">
+            <a:prstDash val="dash"/>
+            <a:tailEnd type="arrow" w="lg" len="lg"/>
+          </a:ln>
+        </p:spPr>
+        <p:style>
+          <a:lnRef idx="1">
+            <a:schemeClr val="dk1"/>
+          </a:lnRef>
+          <a:fillRef idx="0">
+            <a:schemeClr val="dk1"/>
+          </a:fillRef>
+          <a:effectRef idx="0">
+            <a:schemeClr val="dk1"/>
+          </a:effectRef>
+          <a:fontRef idx="minor">
+            <a:schemeClr val="tx1"/>
+          </a:fontRef>
+        </p:style>
+      </p:cxnSp>
+      <p:sp>
+        <p:nvSpPr>
+          <p:cNvPr id="93" name="TextBox 92">
+            <a:extLst>
+              <a:ext uri="{FF2B5EF4-FFF2-40B4-BE49-F238E27FC236}">
+                <a16:creationId xmlns:a16="http://schemas.microsoft.com/office/drawing/2014/main" id="{C7A0A490-2E57-438E-96C1-B966916809A9}"/>
+              </a:ext>
+            </a:extLst>
+          </p:cNvPr>
+          <p:cNvSpPr txBox="1"/>
+          <p:nvPr/>
+        </p:nvSpPr>
+        <p:spPr>
+          <a:xfrm>
+            <a:off x="7266823" y="2022292"/>
+            <a:ext cx="1798491" cy="369332"/>
+          </a:xfrm>
+          <a:prstGeom prst="rect">
+            <a:avLst/>
+          </a:prstGeom>
+          <a:noFill/>
+        </p:spPr>
+        <p:txBody>
+          <a:bodyPr wrap="square" rtlCol="0">
+            <a:spAutoFit/>
+          </a:bodyPr>
+          <a:lstStyle/>
+          <a:p>
+            <a:r>
+              <a:rPr lang="en-US" dirty="0"/>
+              <a:t>Handle window</a:t>
+            </a:r>
+            <a:endParaRPr lang="en-SG" dirty="0"/>
+          </a:p>
+        </p:txBody>
+      </p:sp>
+      <p:cxnSp>
+        <p:nvCxnSpPr>
+          <p:cNvPr id="94" name="Connector: Elbow 93">
+            <a:extLst>
+              <a:ext uri="{FF2B5EF4-FFF2-40B4-BE49-F238E27FC236}">
+                <a16:creationId xmlns:a16="http://schemas.microsoft.com/office/drawing/2014/main" id="{7F92FA8B-AC8C-49D0-8B4E-B91345FB9EB8}"/>
+              </a:ext>
+            </a:extLst>
+          </p:cNvPr>
+          <p:cNvCxnSpPr>
+            <a:cxnSpLocks/>
+            <a:stCxn id="182" idx="1"/>
+            <a:endCxn id="6" idx="3"/>
+          </p:cNvCxnSpPr>
+          <p:nvPr/>
+        </p:nvCxnSpPr>
+        <p:spPr>
+          <a:xfrm rot="10800000">
+            <a:off x="5127923" y="1755734"/>
+            <a:ext cx="1533944" cy="10065"/>
+          </a:xfrm>
+          <a:prstGeom prst="bentConnector3">
+            <a:avLst>
+              <a:gd name="adj1" fmla="val 50000"/>
+            </a:avLst>
+          </a:prstGeom>
+          <a:ln w="12700">
+            <a:prstDash val="dash"/>
+            <a:tailEnd type="arrow" w="lg" len="lg"/>
+          </a:ln>
+        </p:spPr>
+        <p:style>
+          <a:lnRef idx="1">
+            <a:schemeClr val="dk1"/>
+          </a:lnRef>
+          <a:fillRef idx="0">
+            <a:schemeClr val="dk1"/>
+          </a:fillRef>
+          <a:effectRef idx="0">
+            <a:schemeClr val="dk1"/>
+          </a:effectRef>
+          <a:fontRef idx="minor">
+            <a:schemeClr val="tx1"/>
+          </a:fontRef>
+        </p:style>
+      </p:cxnSp>
+      <p:cxnSp>
+        <p:nvCxnSpPr>
+          <p:cNvPr id="103" name="Connector: Elbow 102">
+            <a:extLst>
+              <a:ext uri="{FF2B5EF4-FFF2-40B4-BE49-F238E27FC236}">
+                <a16:creationId xmlns:a16="http://schemas.microsoft.com/office/drawing/2014/main" id="{BB5BF136-6515-4F24-AA67-D4964BF08BF3}"/>
+              </a:ext>
+            </a:extLst>
+          </p:cNvPr>
+          <p:cNvCxnSpPr>
+            <a:cxnSpLocks/>
+            <a:stCxn id="21" idx="3"/>
+            <a:endCxn id="182" idx="2"/>
+          </p:cNvCxnSpPr>
+          <p:nvPr/>
+        </p:nvCxnSpPr>
+        <p:spPr>
+          <a:xfrm flipV="1">
+            <a:off x="6634465" y="1974628"/>
+            <a:ext cx="614696" cy="2685128"/>
+          </a:xfrm>
+          <a:prstGeom prst="bentConnector2">
+            <a:avLst/>
+          </a:prstGeom>
+          <a:ln w="12700">
+            <a:prstDash val="dash"/>
+            <a:tailEnd type="arrow" w="lg" len="lg"/>
+          </a:ln>
+        </p:spPr>
+        <p:style>
+          <a:lnRef idx="1">
+            <a:schemeClr val="dk1"/>
+          </a:lnRef>
+          <a:fillRef idx="0">
+            <a:schemeClr val="dk1"/>
+          </a:fillRef>
+          <a:effectRef idx="0">
+            <a:schemeClr val="dk1"/>
+          </a:effectRef>
+          <a:fontRef idx="minor">
+            <a:schemeClr val="tx1"/>
+          </a:fontRef>
+        </p:style>
+      </p:cxnSp>
     </p:spTree>
     <p:extLst>
       <p:ext uri="{BB962C8B-B14F-4D97-AF65-F5344CB8AC3E}">
